--- a/data/organizacija/005_1_Podjela_ugostiteljstva_ponavljanje.pptx
+++ b/data/organizacija/005_1_Podjela_ugostiteljstva_ponavljanje.pptx
@@ -253,7 +253,7 @@
             <a:fld id="{FCB922A3-0C2E-4D94-AFF5-90A2C0AB44AC}" type="datetimeFigureOut">
               <a:rPr lang="hr-HR" smtClean="0"/>
               <a:pPr/>
-              <a:t>29.5.2017.</a:t>
+              <a:t>13.3.2019.</a:t>
             </a:fld>
             <a:endParaRPr lang="hr-HR"/>
           </a:p>
@@ -420,7 +420,7 @@
             <a:fld id="{1542121D-D7BC-4175-A702-9B7BBD6019B1}" type="datetimeFigureOut">
               <a:rPr lang="sr-Latn-CS" smtClean="0"/>
               <a:pPr/>
-              <a:t>29.5.2017.</a:t>
+              <a:t>13.3.2019.</a:t>
             </a:fld>
             <a:endParaRPr lang="hr-HR"/>
           </a:p>
@@ -881,7 +881,7 @@
             <a:fld id="{FDC1A071-2A74-455A-A49A-8BB21E4AC2F6}" type="datetimeFigureOut">
               <a:rPr lang="sr-Latn-CS" smtClean="0"/>
               <a:pPr/>
-              <a:t>29.5.2017.</a:t>
+              <a:t>13.3.2019.</a:t>
             </a:fld>
             <a:endParaRPr lang="hr-HR"/>
           </a:p>
@@ -1159,7 +1159,7 @@
             <a:fld id="{FDC1A071-2A74-455A-A49A-8BB21E4AC2F6}" type="datetimeFigureOut">
               <a:rPr lang="sr-Latn-CS" smtClean="0"/>
               <a:pPr/>
-              <a:t>29.5.2017.</a:t>
+              <a:t>13.3.2019.</a:t>
             </a:fld>
             <a:endParaRPr lang="hr-HR"/>
           </a:p>
@@ -1350,7 +1350,7 @@
             <a:fld id="{FDC1A071-2A74-455A-A49A-8BB21E4AC2F6}" type="datetimeFigureOut">
               <a:rPr lang="sr-Latn-CS" smtClean="0"/>
               <a:pPr/>
-              <a:t>29.5.2017.</a:t>
+              <a:t>13.3.2019.</a:t>
             </a:fld>
             <a:endParaRPr lang="hr-HR"/>
           </a:p>
@@ -1551,7 +1551,7 @@
             <a:fld id="{FDC1A071-2A74-455A-A49A-8BB21E4AC2F6}" type="datetimeFigureOut">
               <a:rPr lang="sr-Latn-CS" smtClean="0"/>
               <a:pPr/>
-              <a:t>29.5.2017.</a:t>
+              <a:t>13.3.2019.</a:t>
             </a:fld>
             <a:endParaRPr lang="hr-HR"/>
           </a:p>
@@ -2181,7 +2181,7 @@
             <a:fld id="{FDC1A071-2A74-455A-A49A-8BB21E4AC2F6}" type="datetimeFigureOut">
               <a:rPr lang="sr-Latn-CS" smtClean="0"/>
               <a:pPr/>
-              <a:t>29.5.2017.</a:t>
+              <a:t>13.3.2019.</a:t>
             </a:fld>
             <a:endParaRPr lang="hr-HR"/>
           </a:p>
@@ -2490,7 +2490,7 @@
             <a:fld id="{FDC1A071-2A74-455A-A49A-8BB21E4AC2F6}" type="datetimeFigureOut">
               <a:rPr lang="sr-Latn-CS" smtClean="0"/>
               <a:pPr/>
-              <a:t>29.5.2017.</a:t>
+              <a:t>13.3.2019.</a:t>
             </a:fld>
             <a:endParaRPr lang="hr-HR"/>
           </a:p>
@@ -2933,7 +2933,7 @@
             <a:fld id="{FDC1A071-2A74-455A-A49A-8BB21E4AC2F6}" type="datetimeFigureOut">
               <a:rPr lang="sr-Latn-CS" smtClean="0"/>
               <a:pPr/>
-              <a:t>29.5.2017.</a:t>
+              <a:t>13.3.2019.</a:t>
             </a:fld>
             <a:endParaRPr lang="hr-HR"/>
           </a:p>
@@ -3072,7 +3072,7 @@
             <a:fld id="{FDC1A071-2A74-455A-A49A-8BB21E4AC2F6}" type="datetimeFigureOut">
               <a:rPr lang="sr-Latn-CS" smtClean="0"/>
               <a:pPr/>
-              <a:t>29.5.2017.</a:t>
+              <a:t>13.3.2019.</a:t>
             </a:fld>
             <a:endParaRPr lang="hr-HR"/>
           </a:p>
@@ -3188,7 +3188,7 @@
             <a:fld id="{FDC1A071-2A74-455A-A49A-8BB21E4AC2F6}" type="datetimeFigureOut">
               <a:rPr lang="sr-Latn-CS" smtClean="0"/>
               <a:pPr/>
-              <a:t>29.5.2017.</a:t>
+              <a:t>13.3.2019.</a:t>
             </a:fld>
             <a:endParaRPr lang="hr-HR"/>
           </a:p>
@@ -3486,7 +3486,7 @@
             <a:fld id="{FDC1A071-2A74-455A-A49A-8BB21E4AC2F6}" type="datetimeFigureOut">
               <a:rPr lang="sr-Latn-CS" smtClean="0"/>
               <a:pPr/>
-              <a:t>29.5.2017.</a:t>
+              <a:t>13.3.2019.</a:t>
             </a:fld>
             <a:endParaRPr lang="hr-HR"/>
           </a:p>
@@ -4045,8 +4045,13 @@
             </a:pPr>
             <a:r>
               <a:rPr lang="hr-HR" sz="2000" dirty="0" smtClean="0"/>
-              <a:t>Organizacija poslovanja poduzeća u ugostiteljstvu</a:t>
-            </a:r>
+              <a:t>Organizacija poslovanja </a:t>
+            </a:r>
+            <a:r>
+              <a:rPr lang="hr-HR" sz="2000" dirty="0" smtClean="0"/>
+              <a:t>ugostiteljskih poduzeća</a:t>
+            </a:r>
+            <a:endParaRPr lang="hr-HR" sz="2000" dirty="0" smtClean="0"/>
           </a:p>
         </p:txBody>
       </p:sp>
@@ -9968,7 +9973,7 @@
 </file>
 
 <file path=ppt/slides/slide12.xml><?xml version="1.0" encoding="utf-8"?>
-<p:sld xmlns:a="http://schemas.openxmlformats.org/drawingml/2006/main" xmlns:r="http://schemas.openxmlformats.org/officeDocument/2006/relationships" xmlns:p="http://schemas.openxmlformats.org/presentationml/2006/main" show="0">
+<p:sld xmlns:a="http://schemas.openxmlformats.org/drawingml/2006/main" xmlns:r="http://schemas.openxmlformats.org/officeDocument/2006/relationships" xmlns:p="http://schemas.openxmlformats.org/presentationml/2006/main">
   <p:cSld>
     <p:spTree>
       <p:nvGrpSpPr>
@@ -10995,7 +11000,7 @@
         </p:nvSpPr>
         <p:spPr>
           <a:xfrm>
-            <a:off x="6310724" y="1695283"/>
+            <a:off x="6300214" y="1695283"/>
             <a:ext cx="2790991" cy="2416183"/>
           </a:xfrm>
           <a:prstGeom prst="rect">
@@ -11253,7 +11258,7 @@
 </file>
 
 <file path=ppt/slides/slide13.xml><?xml version="1.0" encoding="utf-8"?>
-<p:sld xmlns:a="http://schemas.openxmlformats.org/drawingml/2006/main" xmlns:r="http://schemas.openxmlformats.org/officeDocument/2006/relationships" xmlns:p="http://schemas.openxmlformats.org/presentationml/2006/main" show="0">
+<p:sld xmlns:a="http://schemas.openxmlformats.org/drawingml/2006/main" xmlns:r="http://schemas.openxmlformats.org/officeDocument/2006/relationships" xmlns:p="http://schemas.openxmlformats.org/presentationml/2006/main">
   <p:cSld>
     <p:spTree>
       <p:nvGrpSpPr>
@@ -16296,7 +16301,7 @@
 </file>
 
 <file path=ppt/slides/slide14.xml><?xml version="1.0" encoding="utf-8"?>
-<p:sld xmlns:a="http://schemas.openxmlformats.org/drawingml/2006/main" xmlns:r="http://schemas.openxmlformats.org/officeDocument/2006/relationships" xmlns:p="http://schemas.openxmlformats.org/presentationml/2006/main" show="0">
+<p:sld xmlns:a="http://schemas.openxmlformats.org/drawingml/2006/main" xmlns:r="http://schemas.openxmlformats.org/officeDocument/2006/relationships" xmlns:p="http://schemas.openxmlformats.org/presentationml/2006/main">
   <p:cSld>
     <p:spTree>
       <p:nvGrpSpPr>
@@ -19590,7 +19595,7 @@
 </file>
 
 <file path=ppt/slides/slide15.xml><?xml version="1.0" encoding="utf-8"?>
-<p:sld xmlns:a="http://schemas.openxmlformats.org/drawingml/2006/main" xmlns:r="http://schemas.openxmlformats.org/officeDocument/2006/relationships" xmlns:p="http://schemas.openxmlformats.org/presentationml/2006/main" show="0">
+<p:sld xmlns:a="http://schemas.openxmlformats.org/drawingml/2006/main" xmlns:r="http://schemas.openxmlformats.org/officeDocument/2006/relationships" xmlns:p="http://schemas.openxmlformats.org/presentationml/2006/main">
   <p:cSld>
     <p:spTree>
       <p:nvGrpSpPr>
@@ -20599,7 +20604,7 @@
 </file>
 
 <file path=ppt/slides/slide16.xml><?xml version="1.0" encoding="utf-8"?>
-<p:sld xmlns:a="http://schemas.openxmlformats.org/drawingml/2006/main" xmlns:r="http://schemas.openxmlformats.org/officeDocument/2006/relationships" xmlns:p="http://schemas.openxmlformats.org/presentationml/2006/main" show="0">
+<p:sld xmlns:a="http://schemas.openxmlformats.org/drawingml/2006/main" xmlns:r="http://schemas.openxmlformats.org/officeDocument/2006/relationships" xmlns:p="http://schemas.openxmlformats.org/presentationml/2006/main">
   <p:cSld>
     <p:spTree>
       <p:nvGrpSpPr>
@@ -20837,13 +20842,18 @@
               <a:t>TOČIONICA </a:t>
             </a:r>
             <a:r>
-              <a:rPr lang="hr-HR" sz="2000" b="1" dirty="0">
+              <a:rPr lang="hr-HR" sz="2000" b="1" dirty="0" smtClean="0">
                 <a:solidFill>
                   <a:srgbClr val="FF0000"/>
                 </a:solidFill>
               </a:rPr>
-              <a:t>PIĆA</a:t>
-            </a:r>
+              <a:t>PIĆA </a:t>
+            </a:r>
+            <a:r>
+              <a:rPr lang="hr-HR" sz="2000" dirty="0" smtClean="0"/>
+              <a:t>– najčešće smještena izvan prostora za posluživanje gostiju (tu se pripremaju razni napitci i pića koja se onda poslužuju u blagovaonici/terasi) </a:t>
+            </a:r>
+            <a:endParaRPr lang="hr-HR" sz="2000" dirty="0"/>
           </a:p>
           <a:p>
             <a:pPr indent="-252000">
@@ -20932,7 +20942,659 @@
   <p:timing>
     <p:tnLst>
       <p:par>
-        <p:cTn id="1" dur="indefinite" restart="never" nodeType="tmRoot"/>
+        <p:cTn id="1" dur="indefinite" restart="never" nodeType="tmRoot">
+          <p:childTnLst>
+            <p:seq concurrent="1" nextAc="seek">
+              <p:cTn id="2" dur="indefinite" nodeType="mainSeq">
+                <p:childTnLst>
+                  <p:par>
+                    <p:cTn id="3" fill="hold">
+                      <p:stCondLst>
+                        <p:cond delay="indefinite"/>
+                        <p:cond evt="onBegin" delay="0">
+                          <p:tn val="2"/>
+                        </p:cond>
+                      </p:stCondLst>
+                      <p:childTnLst>
+                        <p:par>
+                          <p:cTn id="4" fill="hold">
+                            <p:stCondLst>
+                              <p:cond delay="0"/>
+                            </p:stCondLst>
+                            <p:childTnLst>
+                              <p:par>
+                                <p:cTn id="5" presetID="10" presetClass="entr" presetSubtype="0" fill="hold" nodeType="afterEffect">
+                                  <p:stCondLst>
+                                    <p:cond delay="0"/>
+                                  </p:stCondLst>
+                                  <p:childTnLst>
+                                    <p:set>
+                                      <p:cBhvr>
+                                        <p:cTn id="6" dur="1" fill="hold">
+                                          <p:stCondLst>
+                                            <p:cond delay="0"/>
+                                          </p:stCondLst>
+                                        </p:cTn>
+                                        <p:tgtEl>
+                                          <p:spTgt spid="16">
+                                            <p:txEl>
+                                              <p:pRg st="0" end="0"/>
+                                            </p:txEl>
+                                          </p:spTgt>
+                                        </p:tgtEl>
+                                        <p:attrNameLst>
+                                          <p:attrName>style.visibility</p:attrName>
+                                        </p:attrNameLst>
+                                      </p:cBhvr>
+                                      <p:to>
+                                        <p:strVal val="visible"/>
+                                      </p:to>
+                                    </p:set>
+                                    <p:animEffect transition="in" filter="fade">
+                                      <p:cBhvr>
+                                        <p:cTn id="7" dur="250"/>
+                                        <p:tgtEl>
+                                          <p:spTgt spid="16">
+                                            <p:txEl>
+                                              <p:pRg st="0" end="0"/>
+                                            </p:txEl>
+                                          </p:spTgt>
+                                        </p:tgtEl>
+                                      </p:cBhvr>
+                                    </p:animEffect>
+                                  </p:childTnLst>
+                                </p:cTn>
+                              </p:par>
+                            </p:childTnLst>
+                          </p:cTn>
+                        </p:par>
+                      </p:childTnLst>
+                    </p:cTn>
+                  </p:par>
+                  <p:par>
+                    <p:cTn id="8" fill="hold">
+                      <p:stCondLst>
+                        <p:cond delay="indefinite"/>
+                      </p:stCondLst>
+                      <p:childTnLst>
+                        <p:par>
+                          <p:cTn id="9" fill="hold">
+                            <p:stCondLst>
+                              <p:cond delay="0"/>
+                            </p:stCondLst>
+                            <p:childTnLst>
+                              <p:par>
+                                <p:cTn id="10" presetID="10" presetClass="entr" presetSubtype="0" fill="hold" nodeType="clickEffect">
+                                  <p:stCondLst>
+                                    <p:cond delay="0"/>
+                                  </p:stCondLst>
+                                  <p:childTnLst>
+                                    <p:set>
+                                      <p:cBhvr>
+                                        <p:cTn id="11" dur="1" fill="hold">
+                                          <p:stCondLst>
+                                            <p:cond delay="0"/>
+                                          </p:stCondLst>
+                                        </p:cTn>
+                                        <p:tgtEl>
+                                          <p:spTgt spid="16">
+                                            <p:txEl>
+                                              <p:pRg st="1" end="1"/>
+                                            </p:txEl>
+                                          </p:spTgt>
+                                        </p:tgtEl>
+                                        <p:attrNameLst>
+                                          <p:attrName>style.visibility</p:attrName>
+                                        </p:attrNameLst>
+                                      </p:cBhvr>
+                                      <p:to>
+                                        <p:strVal val="visible"/>
+                                      </p:to>
+                                    </p:set>
+                                    <p:animEffect transition="in" filter="fade">
+                                      <p:cBhvr>
+                                        <p:cTn id="12" dur="250"/>
+                                        <p:tgtEl>
+                                          <p:spTgt spid="16">
+                                            <p:txEl>
+                                              <p:pRg st="1" end="1"/>
+                                            </p:txEl>
+                                          </p:spTgt>
+                                        </p:tgtEl>
+                                      </p:cBhvr>
+                                    </p:animEffect>
+                                  </p:childTnLst>
+                                </p:cTn>
+                              </p:par>
+                            </p:childTnLst>
+                          </p:cTn>
+                        </p:par>
+                      </p:childTnLst>
+                    </p:cTn>
+                  </p:par>
+                  <p:par>
+                    <p:cTn id="13" fill="hold">
+                      <p:stCondLst>
+                        <p:cond delay="indefinite"/>
+                      </p:stCondLst>
+                      <p:childTnLst>
+                        <p:par>
+                          <p:cTn id="14" fill="hold">
+                            <p:stCondLst>
+                              <p:cond delay="0"/>
+                            </p:stCondLst>
+                            <p:childTnLst>
+                              <p:par>
+                                <p:cTn id="15" presetID="10" presetClass="entr" presetSubtype="0" fill="hold" nodeType="clickEffect">
+                                  <p:stCondLst>
+                                    <p:cond delay="0"/>
+                                  </p:stCondLst>
+                                  <p:childTnLst>
+                                    <p:set>
+                                      <p:cBhvr>
+                                        <p:cTn id="16" dur="1" fill="hold">
+                                          <p:stCondLst>
+                                            <p:cond delay="0"/>
+                                          </p:stCondLst>
+                                        </p:cTn>
+                                        <p:tgtEl>
+                                          <p:spTgt spid="16">
+                                            <p:txEl>
+                                              <p:pRg st="2" end="2"/>
+                                            </p:txEl>
+                                          </p:spTgt>
+                                        </p:tgtEl>
+                                        <p:attrNameLst>
+                                          <p:attrName>style.visibility</p:attrName>
+                                        </p:attrNameLst>
+                                      </p:cBhvr>
+                                      <p:to>
+                                        <p:strVal val="visible"/>
+                                      </p:to>
+                                    </p:set>
+                                    <p:animEffect transition="in" filter="fade">
+                                      <p:cBhvr>
+                                        <p:cTn id="17" dur="250"/>
+                                        <p:tgtEl>
+                                          <p:spTgt spid="16">
+                                            <p:txEl>
+                                              <p:pRg st="2" end="2"/>
+                                            </p:txEl>
+                                          </p:spTgt>
+                                        </p:tgtEl>
+                                      </p:cBhvr>
+                                    </p:animEffect>
+                                  </p:childTnLst>
+                                </p:cTn>
+                              </p:par>
+                            </p:childTnLst>
+                          </p:cTn>
+                        </p:par>
+                        <p:par>
+                          <p:cTn id="18" fill="hold">
+                            <p:stCondLst>
+                              <p:cond delay="250"/>
+                            </p:stCondLst>
+                            <p:childTnLst>
+                              <p:par>
+                                <p:cTn id="19" presetID="10" presetClass="entr" presetSubtype="0" fill="hold" nodeType="afterEffect">
+                                  <p:stCondLst>
+                                    <p:cond delay="0"/>
+                                  </p:stCondLst>
+                                  <p:childTnLst>
+                                    <p:set>
+                                      <p:cBhvr>
+                                        <p:cTn id="20" dur="1" fill="hold">
+                                          <p:stCondLst>
+                                            <p:cond delay="0"/>
+                                          </p:stCondLst>
+                                        </p:cTn>
+                                        <p:tgtEl>
+                                          <p:spTgt spid="16">
+                                            <p:txEl>
+                                              <p:pRg st="3" end="3"/>
+                                            </p:txEl>
+                                          </p:spTgt>
+                                        </p:tgtEl>
+                                        <p:attrNameLst>
+                                          <p:attrName>style.visibility</p:attrName>
+                                        </p:attrNameLst>
+                                      </p:cBhvr>
+                                      <p:to>
+                                        <p:strVal val="visible"/>
+                                      </p:to>
+                                    </p:set>
+                                    <p:animEffect transition="in" filter="fade">
+                                      <p:cBhvr>
+                                        <p:cTn id="21" dur="250"/>
+                                        <p:tgtEl>
+                                          <p:spTgt spid="16">
+                                            <p:txEl>
+                                              <p:pRg st="3" end="3"/>
+                                            </p:txEl>
+                                          </p:spTgt>
+                                        </p:tgtEl>
+                                      </p:cBhvr>
+                                    </p:animEffect>
+                                  </p:childTnLst>
+                                </p:cTn>
+                              </p:par>
+                            </p:childTnLst>
+                          </p:cTn>
+                        </p:par>
+                      </p:childTnLst>
+                    </p:cTn>
+                  </p:par>
+                  <p:par>
+                    <p:cTn id="22" fill="hold">
+                      <p:stCondLst>
+                        <p:cond delay="indefinite"/>
+                      </p:stCondLst>
+                      <p:childTnLst>
+                        <p:par>
+                          <p:cTn id="23" fill="hold">
+                            <p:stCondLst>
+                              <p:cond delay="0"/>
+                            </p:stCondLst>
+                            <p:childTnLst>
+                              <p:par>
+                                <p:cTn id="24" presetID="10" presetClass="entr" presetSubtype="0" fill="hold" nodeType="clickEffect">
+                                  <p:stCondLst>
+                                    <p:cond delay="0"/>
+                                  </p:stCondLst>
+                                  <p:childTnLst>
+                                    <p:set>
+                                      <p:cBhvr>
+                                        <p:cTn id="25" dur="1" fill="hold">
+                                          <p:stCondLst>
+                                            <p:cond delay="0"/>
+                                          </p:stCondLst>
+                                        </p:cTn>
+                                        <p:tgtEl>
+                                          <p:spTgt spid="16">
+                                            <p:txEl>
+                                              <p:pRg st="4" end="4"/>
+                                            </p:txEl>
+                                          </p:spTgt>
+                                        </p:tgtEl>
+                                        <p:attrNameLst>
+                                          <p:attrName>style.visibility</p:attrName>
+                                        </p:attrNameLst>
+                                      </p:cBhvr>
+                                      <p:to>
+                                        <p:strVal val="visible"/>
+                                      </p:to>
+                                    </p:set>
+                                    <p:animEffect transition="in" filter="fade">
+                                      <p:cBhvr>
+                                        <p:cTn id="26" dur="250"/>
+                                        <p:tgtEl>
+                                          <p:spTgt spid="16">
+                                            <p:txEl>
+                                              <p:pRg st="4" end="4"/>
+                                            </p:txEl>
+                                          </p:spTgt>
+                                        </p:tgtEl>
+                                      </p:cBhvr>
+                                    </p:animEffect>
+                                  </p:childTnLst>
+                                </p:cTn>
+                              </p:par>
+                            </p:childTnLst>
+                          </p:cTn>
+                        </p:par>
+                        <p:par>
+                          <p:cTn id="27" fill="hold">
+                            <p:stCondLst>
+                              <p:cond delay="250"/>
+                            </p:stCondLst>
+                            <p:childTnLst>
+                              <p:par>
+                                <p:cTn id="28" presetID="10" presetClass="entr" presetSubtype="0" fill="hold" nodeType="afterEffect">
+                                  <p:stCondLst>
+                                    <p:cond delay="0"/>
+                                  </p:stCondLst>
+                                  <p:childTnLst>
+                                    <p:set>
+                                      <p:cBhvr>
+                                        <p:cTn id="29" dur="1" fill="hold">
+                                          <p:stCondLst>
+                                            <p:cond delay="0"/>
+                                          </p:stCondLst>
+                                        </p:cTn>
+                                        <p:tgtEl>
+                                          <p:spTgt spid="16">
+                                            <p:txEl>
+                                              <p:pRg st="5" end="5"/>
+                                            </p:txEl>
+                                          </p:spTgt>
+                                        </p:tgtEl>
+                                        <p:attrNameLst>
+                                          <p:attrName>style.visibility</p:attrName>
+                                        </p:attrNameLst>
+                                      </p:cBhvr>
+                                      <p:to>
+                                        <p:strVal val="visible"/>
+                                      </p:to>
+                                    </p:set>
+                                    <p:animEffect transition="in" filter="fade">
+                                      <p:cBhvr>
+                                        <p:cTn id="30" dur="250"/>
+                                        <p:tgtEl>
+                                          <p:spTgt spid="16">
+                                            <p:txEl>
+                                              <p:pRg st="5" end="5"/>
+                                            </p:txEl>
+                                          </p:spTgt>
+                                        </p:tgtEl>
+                                      </p:cBhvr>
+                                    </p:animEffect>
+                                  </p:childTnLst>
+                                </p:cTn>
+                              </p:par>
+                            </p:childTnLst>
+                          </p:cTn>
+                        </p:par>
+                      </p:childTnLst>
+                    </p:cTn>
+                  </p:par>
+                  <p:par>
+                    <p:cTn id="31" fill="hold">
+                      <p:stCondLst>
+                        <p:cond delay="indefinite"/>
+                      </p:stCondLst>
+                      <p:childTnLst>
+                        <p:par>
+                          <p:cTn id="32" fill="hold">
+                            <p:stCondLst>
+                              <p:cond delay="0"/>
+                            </p:stCondLst>
+                            <p:childTnLst>
+                              <p:par>
+                                <p:cTn id="33" presetID="10" presetClass="entr" presetSubtype="0" fill="hold" nodeType="clickEffect">
+                                  <p:stCondLst>
+                                    <p:cond delay="0"/>
+                                  </p:stCondLst>
+                                  <p:childTnLst>
+                                    <p:set>
+                                      <p:cBhvr>
+                                        <p:cTn id="34" dur="1" fill="hold">
+                                          <p:stCondLst>
+                                            <p:cond delay="0"/>
+                                          </p:stCondLst>
+                                        </p:cTn>
+                                        <p:tgtEl>
+                                          <p:spTgt spid="16">
+                                            <p:txEl>
+                                              <p:pRg st="6" end="6"/>
+                                            </p:txEl>
+                                          </p:spTgt>
+                                        </p:tgtEl>
+                                        <p:attrNameLst>
+                                          <p:attrName>style.visibility</p:attrName>
+                                        </p:attrNameLst>
+                                      </p:cBhvr>
+                                      <p:to>
+                                        <p:strVal val="visible"/>
+                                      </p:to>
+                                    </p:set>
+                                    <p:animEffect transition="in" filter="fade">
+                                      <p:cBhvr>
+                                        <p:cTn id="35" dur="250"/>
+                                        <p:tgtEl>
+                                          <p:spTgt spid="16">
+                                            <p:txEl>
+                                              <p:pRg st="6" end="6"/>
+                                            </p:txEl>
+                                          </p:spTgt>
+                                        </p:tgtEl>
+                                      </p:cBhvr>
+                                    </p:animEffect>
+                                  </p:childTnLst>
+                                </p:cTn>
+                              </p:par>
+                            </p:childTnLst>
+                          </p:cTn>
+                        </p:par>
+                      </p:childTnLst>
+                    </p:cTn>
+                  </p:par>
+                  <p:par>
+                    <p:cTn id="36" fill="hold">
+                      <p:stCondLst>
+                        <p:cond delay="indefinite"/>
+                      </p:stCondLst>
+                      <p:childTnLst>
+                        <p:par>
+                          <p:cTn id="37" fill="hold">
+                            <p:stCondLst>
+                              <p:cond delay="0"/>
+                            </p:stCondLst>
+                            <p:childTnLst>
+                              <p:par>
+                                <p:cTn id="38" presetID="10" presetClass="entr" presetSubtype="0" fill="hold" nodeType="clickEffect">
+                                  <p:stCondLst>
+                                    <p:cond delay="0"/>
+                                  </p:stCondLst>
+                                  <p:childTnLst>
+                                    <p:set>
+                                      <p:cBhvr>
+                                        <p:cTn id="39" dur="1" fill="hold">
+                                          <p:stCondLst>
+                                            <p:cond delay="0"/>
+                                          </p:stCondLst>
+                                        </p:cTn>
+                                        <p:tgtEl>
+                                          <p:spTgt spid="16">
+                                            <p:txEl>
+                                              <p:pRg st="7" end="7"/>
+                                            </p:txEl>
+                                          </p:spTgt>
+                                        </p:tgtEl>
+                                        <p:attrNameLst>
+                                          <p:attrName>style.visibility</p:attrName>
+                                        </p:attrNameLst>
+                                      </p:cBhvr>
+                                      <p:to>
+                                        <p:strVal val="visible"/>
+                                      </p:to>
+                                    </p:set>
+                                    <p:animEffect transition="in" filter="fade">
+                                      <p:cBhvr>
+                                        <p:cTn id="40" dur="250"/>
+                                        <p:tgtEl>
+                                          <p:spTgt spid="16">
+                                            <p:txEl>
+                                              <p:pRg st="7" end="7"/>
+                                            </p:txEl>
+                                          </p:spTgt>
+                                        </p:tgtEl>
+                                      </p:cBhvr>
+                                    </p:animEffect>
+                                  </p:childTnLst>
+                                </p:cTn>
+                              </p:par>
+                            </p:childTnLst>
+                          </p:cTn>
+                        </p:par>
+                        <p:par>
+                          <p:cTn id="41" fill="hold">
+                            <p:stCondLst>
+                              <p:cond delay="250"/>
+                            </p:stCondLst>
+                            <p:childTnLst>
+                              <p:par>
+                                <p:cTn id="42" presetID="10" presetClass="entr" presetSubtype="0" fill="hold" nodeType="afterEffect">
+                                  <p:stCondLst>
+                                    <p:cond delay="0"/>
+                                  </p:stCondLst>
+                                  <p:childTnLst>
+                                    <p:set>
+                                      <p:cBhvr>
+                                        <p:cTn id="43" dur="1" fill="hold">
+                                          <p:stCondLst>
+                                            <p:cond delay="0"/>
+                                          </p:stCondLst>
+                                        </p:cTn>
+                                        <p:tgtEl>
+                                          <p:spTgt spid="16">
+                                            <p:txEl>
+                                              <p:pRg st="8" end="8"/>
+                                            </p:txEl>
+                                          </p:spTgt>
+                                        </p:tgtEl>
+                                        <p:attrNameLst>
+                                          <p:attrName>style.visibility</p:attrName>
+                                        </p:attrNameLst>
+                                      </p:cBhvr>
+                                      <p:to>
+                                        <p:strVal val="visible"/>
+                                      </p:to>
+                                    </p:set>
+                                    <p:animEffect transition="in" filter="fade">
+                                      <p:cBhvr>
+                                        <p:cTn id="44" dur="250"/>
+                                        <p:tgtEl>
+                                          <p:spTgt spid="16">
+                                            <p:txEl>
+                                              <p:pRg st="8" end="8"/>
+                                            </p:txEl>
+                                          </p:spTgt>
+                                        </p:tgtEl>
+                                      </p:cBhvr>
+                                    </p:animEffect>
+                                  </p:childTnLst>
+                                </p:cTn>
+                              </p:par>
+                            </p:childTnLst>
+                          </p:cTn>
+                        </p:par>
+                        <p:par>
+                          <p:cTn id="45" fill="hold">
+                            <p:stCondLst>
+                              <p:cond delay="500"/>
+                            </p:stCondLst>
+                            <p:childTnLst>
+                              <p:par>
+                                <p:cTn id="46" presetID="10" presetClass="entr" presetSubtype="0" fill="hold" nodeType="afterEffect">
+                                  <p:stCondLst>
+                                    <p:cond delay="0"/>
+                                  </p:stCondLst>
+                                  <p:childTnLst>
+                                    <p:set>
+                                      <p:cBhvr>
+                                        <p:cTn id="47" dur="1" fill="hold">
+                                          <p:stCondLst>
+                                            <p:cond delay="0"/>
+                                          </p:stCondLst>
+                                        </p:cTn>
+                                        <p:tgtEl>
+                                          <p:spTgt spid="16">
+                                            <p:txEl>
+                                              <p:pRg st="9" end="9"/>
+                                            </p:txEl>
+                                          </p:spTgt>
+                                        </p:tgtEl>
+                                        <p:attrNameLst>
+                                          <p:attrName>style.visibility</p:attrName>
+                                        </p:attrNameLst>
+                                      </p:cBhvr>
+                                      <p:to>
+                                        <p:strVal val="visible"/>
+                                      </p:to>
+                                    </p:set>
+                                    <p:animEffect transition="in" filter="fade">
+                                      <p:cBhvr>
+                                        <p:cTn id="48" dur="250"/>
+                                        <p:tgtEl>
+                                          <p:spTgt spid="16">
+                                            <p:txEl>
+                                              <p:pRg st="9" end="9"/>
+                                            </p:txEl>
+                                          </p:spTgt>
+                                        </p:tgtEl>
+                                      </p:cBhvr>
+                                    </p:animEffect>
+                                  </p:childTnLst>
+                                </p:cTn>
+                              </p:par>
+                            </p:childTnLst>
+                          </p:cTn>
+                        </p:par>
+                        <p:par>
+                          <p:cTn id="49" fill="hold">
+                            <p:stCondLst>
+                              <p:cond delay="750"/>
+                            </p:stCondLst>
+                            <p:childTnLst>
+                              <p:par>
+                                <p:cTn id="50" presetID="10" presetClass="entr" presetSubtype="0" fill="hold" nodeType="afterEffect">
+                                  <p:stCondLst>
+                                    <p:cond delay="0"/>
+                                  </p:stCondLst>
+                                  <p:childTnLst>
+                                    <p:set>
+                                      <p:cBhvr>
+                                        <p:cTn id="51" dur="1" fill="hold">
+                                          <p:stCondLst>
+                                            <p:cond delay="0"/>
+                                          </p:stCondLst>
+                                        </p:cTn>
+                                        <p:tgtEl>
+                                          <p:spTgt spid="16">
+                                            <p:txEl>
+                                              <p:pRg st="10" end="10"/>
+                                            </p:txEl>
+                                          </p:spTgt>
+                                        </p:tgtEl>
+                                        <p:attrNameLst>
+                                          <p:attrName>style.visibility</p:attrName>
+                                        </p:attrNameLst>
+                                      </p:cBhvr>
+                                      <p:to>
+                                        <p:strVal val="visible"/>
+                                      </p:to>
+                                    </p:set>
+                                    <p:animEffect transition="in" filter="fade">
+                                      <p:cBhvr>
+                                        <p:cTn id="52" dur="250"/>
+                                        <p:tgtEl>
+                                          <p:spTgt spid="16">
+                                            <p:txEl>
+                                              <p:pRg st="10" end="10"/>
+                                            </p:txEl>
+                                          </p:spTgt>
+                                        </p:tgtEl>
+                                      </p:cBhvr>
+                                    </p:animEffect>
+                                  </p:childTnLst>
+                                </p:cTn>
+                              </p:par>
+                            </p:childTnLst>
+                          </p:cTn>
+                        </p:par>
+                      </p:childTnLst>
+                    </p:cTn>
+                  </p:par>
+                </p:childTnLst>
+              </p:cTn>
+              <p:prevCondLst>
+                <p:cond evt="onPrev" delay="0">
+                  <p:tgtEl>
+                    <p:sldTgt/>
+                  </p:tgtEl>
+                </p:cond>
+              </p:prevCondLst>
+              <p:nextCondLst>
+                <p:cond evt="onNext" delay="0">
+                  <p:tgtEl>
+                    <p:sldTgt/>
+                  </p:tgtEl>
+                </p:cond>
+              </p:nextCondLst>
+            </p:seq>
+          </p:childTnLst>
+        </p:cTn>
       </p:par>
     </p:tnLst>
   </p:timing>
@@ -20940,7 +21602,7 @@
 </file>
 
 <file path=ppt/slides/slide17.xml><?xml version="1.0" encoding="utf-8"?>
-<p:sld xmlns:a="http://schemas.openxmlformats.org/drawingml/2006/main" xmlns:r="http://schemas.openxmlformats.org/officeDocument/2006/relationships" xmlns:p="http://schemas.openxmlformats.org/presentationml/2006/main" show="0">
+<p:sld xmlns:a="http://schemas.openxmlformats.org/drawingml/2006/main" xmlns:r="http://schemas.openxmlformats.org/officeDocument/2006/relationships" xmlns:p="http://schemas.openxmlformats.org/presentationml/2006/main">
   <p:cSld>
     <p:spTree>
       <p:nvGrpSpPr>
@@ -21290,7 +21952,7 @@
 </file>
 
 <file path=ppt/slides/slide18.xml><?xml version="1.0" encoding="utf-8"?>
-<p:sld xmlns:a="http://schemas.openxmlformats.org/drawingml/2006/main" xmlns:r="http://schemas.openxmlformats.org/officeDocument/2006/relationships" xmlns:p="http://schemas.openxmlformats.org/presentationml/2006/main" show="0">
+<p:sld xmlns:a="http://schemas.openxmlformats.org/drawingml/2006/main" xmlns:r="http://schemas.openxmlformats.org/officeDocument/2006/relationships" xmlns:p="http://schemas.openxmlformats.org/presentationml/2006/main">
   <p:cSld>
     <p:spTree>
       <p:nvGrpSpPr>
@@ -21315,9 +21977,9 @@
         <p:grpSpPr>
           <a:xfrm>
             <a:off x="746808" y="116632"/>
-            <a:ext cx="7939996" cy="3158885"/>
+            <a:ext cx="8050123" cy="3321835"/>
             <a:chOff x="746808" y="560538"/>
-            <a:chExt cx="7939996" cy="3158885"/>
+            <a:chExt cx="8050123" cy="3321835"/>
           </a:xfrm>
         </p:grpSpPr>
         <p:cxnSp>
@@ -21461,14 +22123,14 @@
             <p:cNvPr id="19" name="Straight Connector 18"/>
             <p:cNvCxnSpPr>
               <a:stCxn id="21" idx="0"/>
-              <a:endCxn id="25" idx="0"/>
+              <a:endCxn id="55" idx="0"/>
             </p:cNvCxnSpPr>
             <p:nvPr/>
           </p:nvCxnSpPr>
           <p:spPr>
             <a:xfrm>
-              <a:off x="1724852" y="2042404"/>
-              <a:ext cx="0" cy="1116000"/>
+              <a:off x="1724852" y="2084631"/>
+              <a:ext cx="0" cy="1395577"/>
             </a:xfrm>
             <a:prstGeom prst="line">
               <a:avLst/>
@@ -21504,10 +22166,10 @@
           </p:nvGrpSpPr>
           <p:grpSpPr>
             <a:xfrm>
-              <a:off x="805683" y="2042404"/>
-              <a:ext cx="1838337" cy="1602620"/>
-              <a:chOff x="805683" y="1898388"/>
-              <a:chExt cx="1838337" cy="1602620"/>
+              <a:off x="805683" y="2084631"/>
+              <a:ext cx="1838337" cy="1797742"/>
+              <a:chOff x="805683" y="1940615"/>
+              <a:chExt cx="1838337" cy="1797742"/>
             </a:xfrm>
           </p:grpSpPr>
           <p:sp>
@@ -21518,8 +22180,8 @@
             </p:nvSpPr>
             <p:spPr>
               <a:xfrm>
-                <a:off x="805683" y="1898388"/>
-                <a:ext cx="1838337" cy="486619"/>
+                <a:off x="805683" y="1940615"/>
+                <a:ext cx="1838337" cy="402165"/>
               </a:xfrm>
               <a:prstGeom prst="rect">
                 <a:avLst/>
@@ -21530,6 +22192,13 @@
               <a:ln w="9525">
                 <a:noFill/>
               </a:ln>
+              <a:effectLst>
+                <a:outerShdw blurRad="50800" dist="38100" dir="2700000" algn="tl" rotWithShape="0">
+                  <a:prstClr val="black">
+                    <a:alpha val="40000"/>
+                  </a:prstClr>
+                </a:outerShdw>
+              </a:effectLst>
             </p:spPr>
             <p:style>
               <a:lnRef idx="2">
@@ -21571,8 +22240,8 @@
             </p:nvSpPr>
             <p:spPr>
               <a:xfrm>
-                <a:off x="805683" y="2456388"/>
-                <a:ext cx="1838337" cy="486619"/>
+                <a:off x="805683" y="2401850"/>
+                <a:ext cx="1838337" cy="402165"/>
               </a:xfrm>
               <a:prstGeom prst="rect">
                 <a:avLst/>
@@ -21583,6 +22252,13 @@
               <a:ln w="9525">
                 <a:noFill/>
               </a:ln>
+              <a:effectLst>
+                <a:outerShdw blurRad="50800" dist="38100" dir="2700000" algn="tl" rotWithShape="0">
+                  <a:prstClr val="black">
+                    <a:alpha val="40000"/>
+                  </a:prstClr>
+                </a:outerShdw>
+              </a:effectLst>
             </p:spPr>
             <p:style>
               <a:lnRef idx="2">
@@ -21624,8 +22300,8 @@
             </p:nvSpPr>
             <p:spPr>
               <a:xfrm>
-                <a:off x="805683" y="3014388"/>
-                <a:ext cx="1838337" cy="486620"/>
+                <a:off x="805683" y="2857959"/>
+                <a:ext cx="1838337" cy="402165"/>
               </a:xfrm>
               <a:prstGeom prst="rect">
                 <a:avLst/>
@@ -21636,6 +22312,13 @@
               <a:ln w="9525">
                 <a:noFill/>
               </a:ln>
+              <a:effectLst>
+                <a:outerShdw blurRad="50800" dist="38100" dir="2700000" algn="tl" rotWithShape="0">
+                  <a:prstClr val="black">
+                    <a:alpha val="40000"/>
+                  </a:prstClr>
+                </a:outerShdw>
+              </a:effectLst>
             </p:spPr>
             <p:style>
               <a:lnRef idx="2">
@@ -21666,6 +22349,71 @@
                   </a:rPr>
                   <a:t>REGIONALNA</a:t>
                 </a:r>
+              </a:p>
+            </p:txBody>
+          </p:sp>
+          <p:sp>
+            <p:nvSpPr>
+              <p:cNvPr id="55" name="Rectangle 54"/>
+              <p:cNvSpPr/>
+              <p:nvPr/>
+            </p:nvSpPr>
+            <p:spPr>
+              <a:xfrm>
+                <a:off x="805683" y="3336192"/>
+                <a:ext cx="1838337" cy="402165"/>
+              </a:xfrm>
+              <a:prstGeom prst="rect">
+                <a:avLst/>
+              </a:prstGeom>
+              <a:solidFill>
+                <a:srgbClr val="FF0000"/>
+              </a:solidFill>
+              <a:ln w="9525">
+                <a:noFill/>
+              </a:ln>
+              <a:effectLst>
+                <a:outerShdw blurRad="50800" dist="38100" dir="2700000" algn="tl" rotWithShape="0">
+                  <a:prstClr val="black">
+                    <a:alpha val="40000"/>
+                  </a:prstClr>
+                </a:outerShdw>
+              </a:effectLst>
+            </p:spPr>
+            <p:style>
+              <a:lnRef idx="2">
+                <a:schemeClr val="accent1">
+                  <a:shade val="50000"/>
+                </a:schemeClr>
+              </a:lnRef>
+              <a:fillRef idx="1">
+                <a:schemeClr val="accent1"/>
+              </a:fillRef>
+              <a:effectRef idx="0">
+                <a:schemeClr val="accent1"/>
+              </a:effectRef>
+              <a:fontRef idx="minor">
+                <a:schemeClr val="lt1"/>
+              </a:fontRef>
+            </p:style>
+            <p:txBody>
+              <a:bodyPr wrap="none" rtlCol="0" anchor="ctr"/>
+              <a:lstStyle/>
+              <a:p>
+                <a:pPr algn="ctr"/>
+                <a:r>
+                  <a:rPr lang="hr-HR" sz="1600" dirty="0" smtClean="0">
+                    <a:solidFill>
+                      <a:schemeClr val="bg1"/>
+                    </a:solidFill>
+                  </a:rPr>
+                  <a:t>SPECIJALIZIRANA</a:t>
+                </a:r>
+                <a:endParaRPr lang="hr-HR" sz="1600" dirty="0" smtClean="0">
+                  <a:solidFill>
+                    <a:schemeClr val="bg1"/>
+                  </a:solidFill>
+                </a:endParaRPr>
               </a:p>
             </p:txBody>
           </p:sp>
@@ -22091,22 +22839,24 @@
           </p:nvGrpSpPr>
           <p:grpSpPr>
             <a:xfrm>
-              <a:off x="7164288" y="1995489"/>
-              <a:ext cx="1522516" cy="1721543"/>
-              <a:chOff x="7181362" y="1234261"/>
-              <a:chExt cx="1846560" cy="2087947"/>
+              <a:off x="7054161" y="1670848"/>
+              <a:ext cx="1742770" cy="2195366"/>
+              <a:chOff x="7047793" y="840525"/>
+              <a:chExt cx="2113691" cy="2662617"/>
             </a:xfrm>
           </p:grpSpPr>
           <p:cxnSp>
             <p:nvCxnSpPr>
               <p:cNvPr id="40" name="Straight Connector 39"/>
-              <p:cNvCxnSpPr/>
+              <p:cNvCxnSpPr>
+                <a:endCxn id="57" idx="0"/>
+              </p:cNvCxnSpPr>
               <p:nvPr/>
             </p:nvCxnSpPr>
             <p:spPr>
-              <a:xfrm>
-                <a:off x="8104642" y="1341053"/>
-                <a:ext cx="0" cy="1261020"/>
+              <a:xfrm flipH="1">
+                <a:off x="8104639" y="1507605"/>
+                <a:ext cx="4" cy="1482081"/>
               </a:xfrm>
               <a:prstGeom prst="line">
                 <a:avLst/>
@@ -22142,10 +22892,10 @@
             </p:nvGrpSpPr>
             <p:grpSpPr>
               <a:xfrm>
-                <a:off x="7181362" y="1234261"/>
-                <a:ext cx="1846560" cy="2087947"/>
-                <a:chOff x="6372200" y="1522293"/>
-                <a:chExt cx="2031216" cy="2087947"/>
+                <a:off x="7047793" y="840525"/>
+                <a:ext cx="2113691" cy="2662617"/>
+                <a:chOff x="6225277" y="1128557"/>
+                <a:chExt cx="2325061" cy="2662617"/>
               </a:xfrm>
               <a:effectLst>
                 <a:outerShdw blurRad="50800" dist="38100" dir="2700000" algn="tl" rotWithShape="0">
@@ -22163,8 +22913,8 @@
               </p:nvSpPr>
               <p:spPr>
                 <a:xfrm>
-                  <a:off x="6372200" y="1522293"/>
-                  <a:ext cx="2031216" cy="590190"/>
+                  <a:off x="6225277" y="1128557"/>
+                  <a:ext cx="2325061" cy="536536"/>
                 </a:xfrm>
                 <a:prstGeom prst="rect">
                   <a:avLst/>
@@ -22216,8 +22966,8 @@
               </p:nvSpPr>
               <p:spPr>
                 <a:xfrm>
-                  <a:off x="6372200" y="2152804"/>
-                  <a:ext cx="2031216" cy="590190"/>
+                  <a:off x="6225277" y="1773206"/>
+                  <a:ext cx="2325061" cy="536536"/>
                 </a:xfrm>
                 <a:prstGeom prst="rect">
                   <a:avLst/>
@@ -22269,8 +23019,8 @@
               </p:nvSpPr>
               <p:spPr>
                 <a:xfrm>
-                  <a:off x="6372200" y="2783314"/>
-                  <a:ext cx="2031216" cy="826926"/>
+                  <a:off x="6225277" y="2417854"/>
+                  <a:ext cx="2325061" cy="751752"/>
                 </a:xfrm>
                 <a:prstGeom prst="rect">
                   <a:avLst/>
@@ -22311,6 +23061,64 @@
                     </a:rPr>
                     <a:t>ZA SVEČANE DOMJENKE</a:t>
                   </a:r>
+                </a:p>
+              </p:txBody>
+            </p:sp>
+            <p:sp>
+              <p:nvSpPr>
+                <p:cNvPr id="57" name="Rectangle 56"/>
+                <p:cNvSpPr/>
+                <p:nvPr/>
+              </p:nvSpPr>
+              <p:spPr>
+                <a:xfrm>
+                  <a:off x="6225277" y="3277718"/>
+                  <a:ext cx="2325061" cy="513456"/>
+                </a:xfrm>
+                <a:prstGeom prst="rect">
+                  <a:avLst/>
+                </a:prstGeom>
+                <a:solidFill>
+                  <a:srgbClr val="002060"/>
+                </a:solidFill>
+                <a:ln w="9525">
+                  <a:noFill/>
+                </a:ln>
+              </p:spPr>
+              <p:style>
+                <a:lnRef idx="2">
+                  <a:schemeClr val="accent1">
+                    <a:shade val="50000"/>
+                  </a:schemeClr>
+                </a:lnRef>
+                <a:fillRef idx="1">
+                  <a:schemeClr val="accent1"/>
+                </a:fillRef>
+                <a:effectRef idx="0">
+                  <a:schemeClr val="accent1"/>
+                </a:effectRef>
+                <a:fontRef idx="minor">
+                  <a:schemeClr val="lt1"/>
+                </a:fontRef>
+              </p:style>
+              <p:txBody>
+                <a:bodyPr rtlCol="0" anchor="ctr"/>
+                <a:lstStyle/>
+                <a:p>
+                  <a:pPr algn="ctr"/>
+                  <a:r>
+                    <a:rPr lang="hr-HR" sz="1600" dirty="0" smtClean="0">
+                      <a:solidFill>
+                        <a:schemeClr val="bg1"/>
+                      </a:solidFill>
+                    </a:rPr>
+                    <a:t>SAMOPOSLUŽNE</a:t>
+                  </a:r>
+                  <a:endParaRPr lang="hr-HR" sz="1600" dirty="0" smtClean="0">
+                    <a:solidFill>
+                      <a:schemeClr val="bg1"/>
+                    </a:solidFill>
+                  </a:endParaRPr>
                 </a:p>
               </p:txBody>
             </p:sp>
@@ -26109,7 +26917,7 @@
 </file>
 
 <file path=ppt/slides/slide19.xml><?xml version="1.0" encoding="utf-8"?>
-<p:sld xmlns:a="http://schemas.openxmlformats.org/drawingml/2006/main" xmlns:r="http://schemas.openxmlformats.org/officeDocument/2006/relationships" xmlns:p="http://schemas.openxmlformats.org/presentationml/2006/main" show="0">
+<p:sld xmlns:a="http://schemas.openxmlformats.org/drawingml/2006/main" xmlns:r="http://schemas.openxmlformats.org/officeDocument/2006/relationships" xmlns:p="http://schemas.openxmlformats.org/presentationml/2006/main">
   <p:cSld>
     <p:spTree>
       <p:nvGrpSpPr>
@@ -28404,7 +29212,7 @@
 </file>
 
 <file path=ppt/slides/slide20.xml><?xml version="1.0" encoding="utf-8"?>
-<p:sld xmlns:a="http://schemas.openxmlformats.org/drawingml/2006/main" xmlns:r="http://schemas.openxmlformats.org/officeDocument/2006/relationships" xmlns:p="http://schemas.openxmlformats.org/presentationml/2006/main" show="0">
+<p:sld xmlns:a="http://schemas.openxmlformats.org/drawingml/2006/main" xmlns:r="http://schemas.openxmlformats.org/officeDocument/2006/relationships" xmlns:p="http://schemas.openxmlformats.org/presentationml/2006/main">
   <p:cSld>
     <p:spTree>
       <p:nvGrpSpPr>
@@ -28911,7 +29719,7 @@
 </file>
 
 <file path=ppt/slides/slide21.xml><?xml version="1.0" encoding="utf-8"?>
-<p:sld xmlns:a="http://schemas.openxmlformats.org/drawingml/2006/main" xmlns:r="http://schemas.openxmlformats.org/officeDocument/2006/relationships" xmlns:p="http://schemas.openxmlformats.org/presentationml/2006/main" show="0">
+<p:sld xmlns:a="http://schemas.openxmlformats.org/drawingml/2006/main" xmlns:r="http://schemas.openxmlformats.org/officeDocument/2006/relationships" xmlns:p="http://schemas.openxmlformats.org/presentationml/2006/main">
   <p:cSld>
     <p:spTree>
       <p:nvGrpSpPr>
@@ -29873,7 +30681,7 @@
 </file>
 
 <file path=ppt/slides/slide22.xml><?xml version="1.0" encoding="utf-8"?>
-<p:sld xmlns:a="http://schemas.openxmlformats.org/drawingml/2006/main" xmlns:r="http://schemas.openxmlformats.org/officeDocument/2006/relationships" xmlns:p="http://schemas.openxmlformats.org/presentationml/2006/main">
+<p:sld xmlns:a="http://schemas.openxmlformats.org/drawingml/2006/main" xmlns:r="http://schemas.openxmlformats.org/officeDocument/2006/relationships" xmlns:p="http://schemas.openxmlformats.org/presentationml/2006/main" show="0">
   <p:cSld>
     <p:spTree>
       <p:nvGrpSpPr>
@@ -31138,7 +31946,7 @@
 </file>
 
 <file path=ppt/slides/slide23.xml><?xml version="1.0" encoding="utf-8"?>
-<p:sld xmlns:a="http://schemas.openxmlformats.org/drawingml/2006/main" xmlns:r="http://schemas.openxmlformats.org/officeDocument/2006/relationships" xmlns:p="http://schemas.openxmlformats.org/presentationml/2006/main">
+<p:sld xmlns:a="http://schemas.openxmlformats.org/drawingml/2006/main" xmlns:r="http://schemas.openxmlformats.org/officeDocument/2006/relationships" xmlns:p="http://schemas.openxmlformats.org/presentationml/2006/main" show="0">
   <p:cSld>
     <p:spTree>
       <p:nvGrpSpPr>
@@ -32734,7 +33542,7 @@
 </file>
 
 <file path=ppt/slides/slide24.xml><?xml version="1.0" encoding="utf-8"?>
-<p:sld xmlns:a="http://schemas.openxmlformats.org/drawingml/2006/main" xmlns:r="http://schemas.openxmlformats.org/officeDocument/2006/relationships" xmlns:p="http://schemas.openxmlformats.org/presentationml/2006/main">
+<p:sld xmlns:a="http://schemas.openxmlformats.org/drawingml/2006/main" xmlns:r="http://schemas.openxmlformats.org/officeDocument/2006/relationships" xmlns:p="http://schemas.openxmlformats.org/presentationml/2006/main" show="0">
   <p:cSld>
     <p:spTree>
       <p:nvGrpSpPr>
